--- a/documenti/Event_Finder_Presentazione.pptx
+++ b/documenti/Event_Finder_Presentazione.pptx
@@ -5,7 +5,7 @@
     <p:sldMasterId id="2147483659" r:id="rId1"/>
   </p:sldMasterIdLst>
   <p:notesMasterIdLst>
-    <p:notesMasterId r:id="rId11"/>
+    <p:notesMasterId r:id="rId10"/>
   </p:notesMasterIdLst>
   <p:sldIdLst>
     <p:sldId id="256" r:id="rId2"/>
@@ -13,20 +13,19 @@
     <p:sldId id="258" r:id="rId4"/>
     <p:sldId id="259" r:id="rId5"/>
     <p:sldId id="260" r:id="rId6"/>
-    <p:sldId id="261" r:id="rId7"/>
-    <p:sldId id="264" r:id="rId8"/>
-    <p:sldId id="262" r:id="rId9"/>
-    <p:sldId id="263" r:id="rId10"/>
+    <p:sldId id="264" r:id="rId7"/>
+    <p:sldId id="262" r:id="rId8"/>
+    <p:sldId id="263" r:id="rId9"/>
   </p:sldIdLst>
   <p:sldSz cx="9144000" cy="6858000" type="screen4x3"/>
   <p:notesSz cx="6858000" cy="9144000"/>
   <p:embeddedFontLst>
     <p:embeddedFont>
       <p:font typeface="Quattrocento Sans" panose="020B0502050000020003" pitchFamily="34" charset="0"/>
-      <p:regular r:id="rId12"/>
-      <p:bold r:id="rId13"/>
-      <p:italic r:id="rId14"/>
-      <p:boldItalic r:id="rId15"/>
+      <p:regular r:id="rId11"/>
+      <p:bold r:id="rId12"/>
+      <p:italic r:id="rId13"/>
+      <p:boldItalic r:id="rId14"/>
     </p:embeddedFont>
   </p:embeddedFontLst>
   <p:defaultTextStyle>
@@ -1243,110 +1242,6 @@
   <p:cSld>
     <p:spTree>
       <p:nvGrpSpPr>
-        <p:cNvPr id="1" name="Shape 126"/>
-        <p:cNvGrpSpPr/>
-        <p:nvPr/>
-      </p:nvGrpSpPr>
-      <p:grpSpPr>
-        <a:xfrm>
-          <a:off x="0" y="0"/>
-          <a:ext cx="0" cy="0"/>
-          <a:chOff x="0" y="0"/>
-          <a:chExt cx="0" cy="0"/>
-        </a:xfrm>
-      </p:grpSpPr>
-      <p:sp>
-        <p:nvSpPr>
-          <p:cNvPr id="127" name="Google Shape;127;g34ae6d5017f_3_8:notes"/>
-          <p:cNvSpPr>
-            <a:spLocks noGrp="1" noRot="1" noChangeAspect="1"/>
-          </p:cNvSpPr>
-          <p:nvPr>
-            <p:ph type="sldImg" idx="2"/>
-          </p:nvPr>
-        </p:nvSpPr>
-        <p:spPr>
-          <a:xfrm>
-            <a:off x="1143000" y="685800"/>
-            <a:ext cx="4572000" cy="3429000"/>
-          </a:xfrm>
-          <a:custGeom>
-            <a:avLst/>
-            <a:gdLst/>
-            <a:ahLst/>
-            <a:cxnLst/>
-            <a:rect l="l" t="t" r="r" b="b"/>
-            <a:pathLst>
-              <a:path w="120000" h="120000" extrusionOk="0">
-                <a:moveTo>
-                  <a:pt x="0" y="0"/>
-                </a:moveTo>
-                <a:lnTo>
-                  <a:pt x="120000" y="0"/>
-                </a:lnTo>
-                <a:lnTo>
-                  <a:pt x="120000" y="120000"/>
-                </a:lnTo>
-                <a:lnTo>
-                  <a:pt x="0" y="120000"/>
-                </a:lnTo>
-                <a:close/>
-              </a:path>
-            </a:pathLst>
-          </a:custGeom>
-        </p:spPr>
-      </p:sp>
-      <p:sp>
-        <p:nvSpPr>
-          <p:cNvPr id="128" name="Google Shape;128;g34ae6d5017f_3_8:notes"/>
-          <p:cNvSpPr txBox="1">
-            <a:spLocks noGrp="1"/>
-          </p:cNvSpPr>
-          <p:nvPr>
-            <p:ph type="body" idx="1"/>
-          </p:nvPr>
-        </p:nvSpPr>
-        <p:spPr>
-          <a:xfrm>
-            <a:off x="685800" y="4343400"/>
-            <a:ext cx="5486400" cy="4114800"/>
-          </a:xfrm>
-          <a:prstGeom prst="rect">
-            <a:avLst/>
-          </a:prstGeom>
-        </p:spPr>
-        <p:txBody>
-          <a:bodyPr spcFirstLastPara="1" wrap="square" lIns="91425" tIns="91425" rIns="91425" bIns="91425" anchor="t" anchorCtr="0">
-            <a:noAutofit/>
-          </a:bodyPr>
-          <a:lstStyle/>
-          <a:p>
-            <a:pPr marL="0" lvl="0" indent="0" algn="l" rtl="0">
-              <a:spcBef>
-                <a:spcPts val="0"/>
-              </a:spcBef>
-              <a:spcAft>
-                <a:spcPts val="0"/>
-              </a:spcAft>
-              <a:buNone/>
-            </a:pPr>
-            <a:endParaRPr/>
-          </a:p>
-        </p:txBody>
-      </p:sp>
-    </p:spTree>
-  </p:cSld>
-  <p:clrMapOvr>
-    <a:masterClrMapping/>
-  </p:clrMapOvr>
-</p:notes>
-</file>
-
-<file path=ppt/notesSlides/notesSlide7.xml><?xml version="1.0" encoding="utf-8"?>
-<p:notes xmlns:a="http://schemas.openxmlformats.org/drawingml/2006/main" xmlns:r="http://schemas.openxmlformats.org/officeDocument/2006/relationships" xmlns:p="http://schemas.openxmlformats.org/presentationml/2006/main" showMasterSp="0" showMasterPhAnim="0">
-  <p:cSld>
-    <p:spTree>
-      <p:nvGrpSpPr>
         <p:cNvPr id="1" name="Shape 133"/>
         <p:cNvGrpSpPr/>
         <p:nvPr/>
@@ -1446,7 +1341,7 @@
 </p:notes>
 </file>
 
-<file path=ppt/notesSlides/notesSlide8.xml><?xml version="1.0" encoding="utf-8"?>
+<file path=ppt/notesSlides/notesSlide7.xml><?xml version="1.0" encoding="utf-8"?>
 <p:notes xmlns:a="http://schemas.openxmlformats.org/drawingml/2006/main" xmlns:r="http://schemas.openxmlformats.org/officeDocument/2006/relationships" xmlns:p="http://schemas.openxmlformats.org/presentationml/2006/main" showMasterSp="0" showMasterPhAnim="0">
   <p:cSld>
     <p:spTree>
@@ -12873,107 +12768,6 @@
 <file path=ppt/slides/slide6.xml><?xml version="1.0" encoding="utf-8"?>
 <p:sld xmlns:a="http://schemas.openxmlformats.org/drawingml/2006/main" xmlns:r="http://schemas.openxmlformats.org/officeDocument/2006/relationships" xmlns:p="http://schemas.openxmlformats.org/presentationml/2006/main">
   <p:cSld>
-    <p:spTree>
-      <p:nvGrpSpPr>
-        <p:cNvPr id="1" name="Shape 129"/>
-        <p:cNvGrpSpPr/>
-        <p:nvPr/>
-      </p:nvGrpSpPr>
-      <p:grpSpPr>
-        <a:xfrm>
-          <a:off x="0" y="0"/>
-          <a:ext cx="0" cy="0"/>
-          <a:chOff x="0" y="0"/>
-          <a:chExt cx="0" cy="0"/>
-        </a:xfrm>
-      </p:grpSpPr>
-      <p:sp>
-        <p:nvSpPr>
-          <p:cNvPr id="130" name="Google Shape;130;p18"/>
-          <p:cNvSpPr txBox="1">
-            <a:spLocks noGrp="1"/>
-          </p:cNvSpPr>
-          <p:nvPr>
-            <p:ph type="title"/>
-          </p:nvPr>
-        </p:nvSpPr>
-        <p:spPr>
-          <a:xfrm>
-            <a:off x="457200" y="274638"/>
-            <a:ext cx="8229600" cy="1143000"/>
-          </a:xfrm>
-          <a:prstGeom prst="rect">
-            <a:avLst/>
-          </a:prstGeom>
-        </p:spPr>
-        <p:txBody>
-          <a:bodyPr spcFirstLastPara="1" wrap="square" lIns="91425" tIns="45700" rIns="91425" bIns="45700" anchor="ctr" anchorCtr="0">
-            <a:normAutofit/>
-          </a:bodyPr>
-          <a:lstStyle/>
-          <a:p>
-            <a:pPr marL="0" lvl="0" indent="0" algn="ctr" rtl="0">
-              <a:spcBef>
-                <a:spcPts val="0"/>
-              </a:spcBef>
-              <a:spcAft>
-                <a:spcPts val="0"/>
-              </a:spcAft>
-              <a:buNone/>
-            </a:pPr>
-            <a:endParaRPr/>
-          </a:p>
-        </p:txBody>
-      </p:sp>
-      <p:sp>
-        <p:nvSpPr>
-          <p:cNvPr id="131" name="Google Shape;131;p18"/>
-          <p:cNvSpPr txBox="1">
-            <a:spLocks noGrp="1"/>
-          </p:cNvSpPr>
-          <p:nvPr>
-            <p:ph type="body" idx="1"/>
-          </p:nvPr>
-        </p:nvSpPr>
-        <p:spPr>
-          <a:xfrm>
-            <a:off x="457200" y="1600200"/>
-            <a:ext cx="8229600" cy="4526100"/>
-          </a:xfrm>
-          <a:prstGeom prst="rect">
-            <a:avLst/>
-          </a:prstGeom>
-        </p:spPr>
-        <p:txBody>
-          <a:bodyPr spcFirstLastPara="1" wrap="square" lIns="91425" tIns="45700" rIns="91425" bIns="45700" anchor="t" anchorCtr="0">
-            <a:normAutofit/>
-          </a:bodyPr>
-          <a:lstStyle/>
-          <a:p>
-            <a:pPr marL="0" lvl="0" indent="0" algn="l" rtl="0">
-              <a:spcBef>
-                <a:spcPts val="360"/>
-              </a:spcBef>
-              <a:spcAft>
-                <a:spcPts val="0"/>
-              </a:spcAft>
-              <a:buNone/>
-            </a:pPr>
-            <a:endParaRPr dirty="0"/>
-          </a:p>
-        </p:txBody>
-      </p:sp>
-    </p:spTree>
-  </p:cSld>
-  <p:clrMapOvr>
-    <a:masterClrMapping/>
-  </p:clrMapOvr>
-</p:sld>
-</file>
-
-<file path=ppt/slides/slide7.xml><?xml version="1.0" encoding="utf-8"?>
-<p:sld xmlns:a="http://schemas.openxmlformats.org/drawingml/2006/main" xmlns:r="http://schemas.openxmlformats.org/officeDocument/2006/relationships" xmlns:p="http://schemas.openxmlformats.org/presentationml/2006/main">
-  <p:cSld>
     <p:bg>
       <p:bgPr>
         <a:solidFill>
@@ -13022,7 +12816,7 @@
           <a:lstStyle/>
           <a:p>
             <a:r>
-              <a:rPr lang="it-IT" sz="2400" b="1">
+              <a:rPr lang="it-IT" sz="2400" b="1" dirty="0">
                 <a:solidFill>
                   <a:schemeClr val="tx1"/>
                 </a:solidFill>
@@ -14909,7 +14703,7 @@
 </p:sld>
 </file>
 
-<file path=ppt/slides/slide8.xml><?xml version="1.0" encoding="utf-8"?>
+<file path=ppt/slides/slide7.xml><?xml version="1.0" encoding="utf-8"?>
 <p:sld xmlns:a="http://schemas.openxmlformats.org/drawingml/2006/main" xmlns:r="http://schemas.openxmlformats.org/officeDocument/2006/relationships" xmlns:p="http://schemas.openxmlformats.org/presentationml/2006/main">
   <p:cSld>
     <p:bg>
@@ -15882,7 +15676,7 @@
 </p:sld>
 </file>
 
-<file path=ppt/slides/slide9.xml><?xml version="1.0" encoding="utf-8"?>
+<file path=ppt/slides/slide8.xml><?xml version="1.0" encoding="utf-8"?>
 <p:sld xmlns:a="http://schemas.openxmlformats.org/drawingml/2006/main" xmlns:r="http://schemas.openxmlformats.org/officeDocument/2006/relationships" xmlns:p="http://schemas.openxmlformats.org/presentationml/2006/main">
   <p:cSld>
     <p:bg>
